--- a/2019（上）/2019.05.22/2019.05.22-进度汇报-蓝鑫.pptx
+++ b/2019（上）/2019.05.22/2019.05.22-进度汇报-蓝鑫.pptx
@@ -298,7 +298,7 @@
                 <a:cs typeface="+mn-cs"/>
               </a:rPr>
               <a:pPr fontAlgn="auto"/>
-              <a:t>2019/5/22</a:t>
+              <a:t>2019/7/4</a:t>
             </a:fld>
             <a:endParaRPr lang="zh-CN" altLang="en-US" strike="noStrike" noProof="1"/>
           </a:p>
@@ -1752,7 +1752,7 @@
         </p:blipFill>
         <p:spPr>
           <a:xfrm rot="16200000">
-            <a:off x="3442531" y="-1016842"/>
+            <a:off x="3439067" y="-1190791"/>
             <a:ext cx="1199043" cy="4754526"/>
           </a:xfrm>
           <a:prstGeom prst="rect">
